--- a/TypeScript for the .NET Developer/ICC15/TypeScript for the .NET Developer.pptx
+++ b/TypeScript for the .NET Developer/ICC15/TypeScript for the .NET Developer.pptx
@@ -228,7 +228,7 @@
           <a:p>
             <a:fld id="{808EA803-7C92-4DF7-88C2-171098DA16C3}" type="datetimeFigureOut">
               <a:rPr lang="en-US" smtClean="0"/>
-              <a:t>5/7/2015</a:t>
+              <a:t>5/9/2015</a:t>
             </a:fld>
             <a:endParaRPr lang="en-US"/>
           </a:p>
@@ -711,7 +711,7 @@
           <a:p>
             <a:fld id="{856365B8-A905-4126-A305-28D558C34FD5}" type="datetimeFigureOut">
               <a:rPr lang="en-US" smtClean="0"/>
-              <a:t>5/7/2015</a:t>
+              <a:t>5/9/2015</a:t>
             </a:fld>
             <a:endParaRPr lang="en-US"/>
           </a:p>
@@ -881,7 +881,7 @@
           <a:p>
             <a:fld id="{856365B8-A905-4126-A305-28D558C34FD5}" type="datetimeFigureOut">
               <a:rPr lang="en-US" smtClean="0"/>
-              <a:t>5/7/2015</a:t>
+              <a:t>5/9/2015</a:t>
             </a:fld>
             <a:endParaRPr lang="en-US"/>
           </a:p>
@@ -1061,7 +1061,7 @@
           <a:p>
             <a:fld id="{856365B8-A905-4126-A305-28D558C34FD5}" type="datetimeFigureOut">
               <a:rPr lang="en-US" smtClean="0"/>
-              <a:t>5/7/2015</a:t>
+              <a:t>5/9/2015</a:t>
             </a:fld>
             <a:endParaRPr lang="en-US"/>
           </a:p>
@@ -1231,7 +1231,7 @@
           <a:p>
             <a:fld id="{856365B8-A905-4126-A305-28D558C34FD5}" type="datetimeFigureOut">
               <a:rPr lang="en-US" smtClean="0"/>
-              <a:t>5/7/2015</a:t>
+              <a:t>5/9/2015</a:t>
             </a:fld>
             <a:endParaRPr lang="en-US"/>
           </a:p>
@@ -1477,7 +1477,7 @@
           <a:p>
             <a:fld id="{856365B8-A905-4126-A305-28D558C34FD5}" type="datetimeFigureOut">
               <a:rPr lang="en-US" smtClean="0"/>
-              <a:t>5/7/2015</a:t>
+              <a:t>5/9/2015</a:t>
             </a:fld>
             <a:endParaRPr lang="en-US"/>
           </a:p>
@@ -1709,7 +1709,7 @@
           <a:p>
             <a:fld id="{856365B8-A905-4126-A305-28D558C34FD5}" type="datetimeFigureOut">
               <a:rPr lang="en-US" smtClean="0"/>
-              <a:t>5/7/2015</a:t>
+              <a:t>5/9/2015</a:t>
             </a:fld>
             <a:endParaRPr lang="en-US"/>
           </a:p>
@@ -2076,7 +2076,7 @@
           <a:p>
             <a:fld id="{856365B8-A905-4126-A305-28D558C34FD5}" type="datetimeFigureOut">
               <a:rPr lang="en-US" smtClean="0"/>
-              <a:t>5/7/2015</a:t>
+              <a:t>5/9/2015</a:t>
             </a:fld>
             <a:endParaRPr lang="en-US"/>
           </a:p>
@@ -2194,7 +2194,7 @@
           <a:p>
             <a:fld id="{856365B8-A905-4126-A305-28D558C34FD5}" type="datetimeFigureOut">
               <a:rPr lang="en-US" smtClean="0"/>
-              <a:t>5/7/2015</a:t>
+              <a:t>5/9/2015</a:t>
             </a:fld>
             <a:endParaRPr lang="en-US"/>
           </a:p>
@@ -2289,7 +2289,7 @@
           <a:p>
             <a:fld id="{856365B8-A905-4126-A305-28D558C34FD5}" type="datetimeFigureOut">
               <a:rPr lang="en-US" smtClean="0"/>
-              <a:t>5/7/2015</a:t>
+              <a:t>5/9/2015</a:t>
             </a:fld>
             <a:endParaRPr lang="en-US"/>
           </a:p>
@@ -2566,7 +2566,7 @@
           <a:p>
             <a:fld id="{856365B8-A905-4126-A305-28D558C34FD5}" type="datetimeFigureOut">
               <a:rPr lang="en-US" smtClean="0"/>
-              <a:t>5/7/2015</a:t>
+              <a:t>5/9/2015</a:t>
             </a:fld>
             <a:endParaRPr lang="en-US"/>
           </a:p>
@@ -2823,7 +2823,7 @@
           <a:p>
             <a:fld id="{856365B8-A905-4126-A305-28D558C34FD5}" type="datetimeFigureOut">
               <a:rPr lang="en-US" smtClean="0"/>
-              <a:t>5/7/2015</a:t>
+              <a:t>5/9/2015</a:t>
             </a:fld>
             <a:endParaRPr lang="en-US"/>
           </a:p>
@@ -3036,7 +3036,7 @@
           <a:p>
             <a:fld id="{856365B8-A905-4126-A305-28D558C34FD5}" type="datetimeFigureOut">
               <a:rPr lang="en-US" smtClean="0"/>
-              <a:t>5/7/2015</a:t>
+              <a:t>5/9/2015</a:t>
             </a:fld>
             <a:endParaRPr lang="en-US"/>
           </a:p>
@@ -3675,7 +3675,6 @@
               <a:rPr lang="en-US" dirty="0" smtClean="0"/>
               <a:t> is buying into it.</a:t>
             </a:r>
-            <a:endParaRPr lang="en-US" dirty="0" smtClean="0"/>
           </a:p>
           <a:p>
             <a:r>
@@ -4117,12 +4116,26 @@
           </a:p>
           <a:p>
             <a:r>
-              <a:rPr lang="en-US" dirty="0" smtClean="0"/>
-              <a:t>Refactoring an existing Angular app to utilize </a:t>
-            </a:r>
-            <a:r>
               <a:rPr lang="en-US" dirty="0" err="1" smtClean="0"/>
               <a:t>TypeScript</a:t>
+            </a:r>
+            <a:r>
+              <a:rPr lang="en-US" dirty="0"/>
+              <a:t> </a:t>
+            </a:r>
+            <a:r>
+              <a:rPr lang="en-US" dirty="0" smtClean="0"/>
+              <a:t>sandbox</a:t>
+            </a:r>
+          </a:p>
+          <a:p>
+            <a:r>
+              <a:rPr lang="en-US" dirty="0" smtClean="0"/>
+              <a:t>Show application </a:t>
+            </a:r>
+            <a:r>
+              <a:rPr lang="en-US" smtClean="0"/>
+              <a:t>that’s using all of these tools</a:t>
             </a:r>
             <a:endParaRPr lang="en-US" dirty="0" smtClean="0"/>
           </a:p>
@@ -4328,26 +4341,39 @@
                                   </p:childTnLst>
                                 </p:cTn>
                               </p:par>
-                            </p:childTnLst>
-                          </p:cTn>
-                        </p:par>
-                      </p:childTnLst>
-                    </p:cTn>
-                  </p:par>
-                  <p:par>
-                    <p:cTn id="15" fill="hold">
-                      <p:stCondLst>
-                        <p:cond delay="indefinite"/>
-                      </p:stCondLst>
-                      <p:childTnLst>
-                        <p:par>
-                          <p:cTn id="16" fill="hold">
-                            <p:stCondLst>
-                              <p:cond delay="0"/>
-                            </p:stCondLst>
-                            <p:childTnLst>
                               <p:par>
-                                <p:cTn id="17" presetID="1" presetClass="entr" presetSubtype="0" fill="hold" nodeType="clickEffect">
+                                <p:cTn id="15" presetID="1" presetClass="entr" presetSubtype="0" fill="hold" nodeType="withEffect">
+                                  <p:stCondLst>
+                                    <p:cond delay="0"/>
+                                  </p:stCondLst>
+                                  <p:childTnLst>
+                                    <p:set>
+                                      <p:cBhvr>
+                                        <p:cTn id="16" dur="1" fill="hold">
+                                          <p:stCondLst>
+                                            <p:cond delay="0"/>
+                                          </p:stCondLst>
+                                        </p:cTn>
+                                        <p:tgtEl>
+                                          <p:spTgt spid="3">
+                                            <p:txEl>
+                                              <p:pRg st="5" end="5"/>
+                                            </p:txEl>
+                                          </p:spTgt>
+                                        </p:tgtEl>
+                                        <p:attrNameLst>
+                                          <p:attrName>style.visibility</p:attrName>
+                                        </p:attrNameLst>
+                                      </p:cBhvr>
+                                      <p:to>
+                                        <p:strVal val="visible"/>
+                                      </p:to>
+                                    </p:set>
+                                  </p:childTnLst>
+                                </p:cTn>
+                              </p:par>
+                              <p:par>
+                                <p:cTn id="17" presetID="1" presetClass="entr" presetSubtype="0" fill="hold" nodeType="withEffect">
                                   <p:stCondLst>
                                     <p:cond delay="0"/>
                                   </p:stCondLst>
@@ -4362,7 +4388,7 @@
                                         <p:tgtEl>
                                           <p:spTgt spid="3">
                                             <p:txEl>
-                                              <p:pRg st="5" end="5"/>
+                                              <p:pRg st="6" end="6"/>
                                             </p:txEl>
                                           </p:spTgt>
                                         </p:tgtEl>
@@ -4411,7 +4437,7 @@
                                         <p:tgtEl>
                                           <p:spTgt spid="3">
                                             <p:txEl>
-                                              <p:pRg st="6" end="6"/>
+                                              <p:pRg st="7" end="7"/>
                                             </p:txEl>
                                           </p:spTgt>
                                         </p:tgtEl>
@@ -5191,14 +5217,12 @@
               <a:rPr lang="en-US" dirty="0" smtClean="0"/>
               <a:t>A lot of typing.</a:t>
             </a:r>
-            <a:endParaRPr lang="en-US" dirty="0" smtClean="0"/>
           </a:p>
           <a:p>
             <a:r>
               <a:rPr lang="en-US" dirty="0" smtClean="0"/>
               <a:t>Lose some of the dynamic nature of JavaScript.</a:t>
             </a:r>
-            <a:endParaRPr lang="en-US" dirty="0" smtClean="0"/>
           </a:p>
         </p:txBody>
       </p:sp>

--- a/TypeScript for the .NET Developer/ICC15/TypeScript for the .NET Developer.pptx
+++ b/TypeScript for the .NET Developer/ICC15/TypeScript for the .NET Developer.pptx
@@ -4131,13 +4131,12 @@
           <a:p>
             <a:r>
               <a:rPr lang="en-US" dirty="0" smtClean="0"/>
-              <a:t>Show application </a:t>
-            </a:r>
-            <a:r>
-              <a:rPr lang="en-US" smtClean="0"/>
-              <a:t>that’s using all of these tools</a:t>
-            </a:r>
-            <a:endParaRPr lang="en-US" dirty="0" smtClean="0"/>
+              <a:t>Show application that’s using all of these </a:t>
+            </a:r>
+            <a:r>
+              <a:rPr lang="en-US" dirty="0" smtClean="0"/>
+              <a:t>tools</a:t>
+            </a:r>
           </a:p>
           <a:p>
             <a:r>
@@ -4403,33 +4402,15 @@
                                   </p:childTnLst>
                                 </p:cTn>
                               </p:par>
-                            </p:childTnLst>
-                          </p:cTn>
-                        </p:par>
-                      </p:childTnLst>
-                    </p:cTn>
-                  </p:par>
-                  <p:par>
-                    <p:cTn id="19" fill="hold">
-                      <p:stCondLst>
-                        <p:cond delay="indefinite"/>
-                      </p:stCondLst>
-                      <p:childTnLst>
-                        <p:par>
-                          <p:cTn id="20" fill="hold">
-                            <p:stCondLst>
-                              <p:cond delay="0"/>
-                            </p:stCondLst>
-                            <p:childTnLst>
                               <p:par>
-                                <p:cTn id="21" presetID="1" presetClass="entr" presetSubtype="0" fill="hold" nodeType="clickEffect">
+                                <p:cTn id="19" presetID="1" presetClass="entr" presetSubtype="0" fill="hold" nodeType="withEffect">
                                   <p:stCondLst>
                                     <p:cond delay="0"/>
                                   </p:stCondLst>
                                   <p:childTnLst>
                                     <p:set>
                                       <p:cBhvr>
-                                        <p:cTn id="22" dur="1" fill="hold">
+                                        <p:cTn id="20" dur="1" fill="hold">
                                           <p:stCondLst>
                                             <p:cond delay="0"/>
                                           </p:stCondLst>
@@ -4580,8 +4561,8 @@
         </p:nvSpPr>
         <p:spPr>
           <a:xfrm>
-            <a:off x="6226233" y="5527964"/>
-            <a:ext cx="4942443" cy="523220"/>
+            <a:off x="3500451" y="5588086"/>
+            <a:ext cx="6767494" cy="523220"/>
           </a:xfrm>
           <a:prstGeom prst="rect">
             <a:avLst/>
@@ -4596,7 +4577,15 @@
           <a:p>
             <a:r>
               <a:rPr lang="en-US" sz="2800" dirty="0" smtClean="0"/>
-              <a:t>Basically everything .NET is not…</a:t>
+              <a:t>Basically everything </a:t>
+            </a:r>
+            <a:r>
+              <a:rPr lang="en-US" sz="2800" dirty="0" smtClean="0"/>
+              <a:t>mainstream .NET </a:t>
+            </a:r>
+            <a:r>
+              <a:rPr lang="en-US" sz="2800" dirty="0" smtClean="0"/>
+              <a:t>is not…</a:t>
             </a:r>
             <a:endParaRPr lang="en-US" sz="2800" dirty="0"/>
           </a:p>
@@ -5206,7 +5195,12 @@
             <p:ph idx="1"/>
           </p:nvPr>
         </p:nvSpPr>
-        <p:spPr/>
+        <p:spPr>
+          <a:xfrm>
+            <a:off x="838200" y="1816917"/>
+            <a:ext cx="10515600" cy="1431380"/>
+          </a:xfrm>
+        </p:spPr>
         <p:txBody>
           <a:bodyPr>
             <a:normAutofit/>
@@ -5222,6 +5216,254 @@
             <a:r>
               <a:rPr lang="en-US" dirty="0" smtClean="0"/>
               <a:t>Lose some of the dynamic nature of JavaScript.</a:t>
+            </a:r>
+          </a:p>
+        </p:txBody>
+      </p:sp>
+      <p:sp>
+        <p:nvSpPr>
+          <p:cNvPr id="5" name="Title 1"/>
+          <p:cNvSpPr txBox="1">
+            <a:spLocks/>
+          </p:cNvSpPr>
+          <p:nvPr/>
+        </p:nvSpPr>
+        <p:spPr>
+          <a:xfrm>
+            <a:off x="838200" y="3077845"/>
+            <a:ext cx="10515600" cy="1325563"/>
+          </a:xfrm>
+          <a:prstGeom prst="rect">
+            <a:avLst/>
+          </a:prstGeom>
+        </p:spPr>
+        <p:txBody>
+          <a:bodyPr vert="horz" lIns="91440" tIns="45720" rIns="91440" bIns="45720" rtlCol="0" anchor="ctr">
+            <a:normAutofit/>
+          </a:bodyPr>
+          <a:lstStyle>
+            <a:lvl1pPr algn="l" defTabSz="914400" rtl="0" eaLnBrk="1" latinLnBrk="0" hangingPunct="1">
+              <a:lnSpc>
+                <a:spcPct val="90000"/>
+              </a:lnSpc>
+              <a:spcBef>
+                <a:spcPct val="0"/>
+              </a:spcBef>
+              <a:buNone/>
+              <a:defRPr sz="4400" kern="1200">
+                <a:solidFill>
+                  <a:schemeClr val="tx1"/>
+                </a:solidFill>
+                <a:latin typeface="+mj-lt"/>
+                <a:ea typeface="+mj-ea"/>
+                <a:cs typeface="+mj-cs"/>
+              </a:defRPr>
+            </a:lvl1pPr>
+          </a:lstStyle>
+          <a:p>
+            <a:r>
+              <a:rPr lang="en-US" dirty="0" smtClean="0"/>
+              <a:t>A Naysayer Might Say…</a:t>
+            </a:r>
+            <a:endParaRPr lang="en-US" dirty="0"/>
+          </a:p>
+        </p:txBody>
+      </p:sp>
+      <p:sp>
+        <p:nvSpPr>
+          <p:cNvPr id="8" name="Content Placeholder 2"/>
+          <p:cNvSpPr txBox="1">
+            <a:spLocks/>
+          </p:cNvSpPr>
+          <p:nvPr/>
+        </p:nvSpPr>
+        <p:spPr>
+          <a:xfrm>
+            <a:off x="894801" y="4346761"/>
+            <a:ext cx="10515600" cy="1431380"/>
+          </a:xfrm>
+          <a:prstGeom prst="rect">
+            <a:avLst/>
+          </a:prstGeom>
+        </p:spPr>
+        <p:txBody>
+          <a:bodyPr vert="horz" lIns="91440" tIns="45720" rIns="91440" bIns="45720" rtlCol="0">
+            <a:normAutofit/>
+          </a:bodyPr>
+          <a:lstStyle>
+            <a:lvl1pPr marL="228600" indent="-228600" algn="l" defTabSz="914400" rtl="0" eaLnBrk="1" latinLnBrk="0" hangingPunct="1">
+              <a:lnSpc>
+                <a:spcPct val="90000"/>
+              </a:lnSpc>
+              <a:spcBef>
+                <a:spcPts val="1000"/>
+              </a:spcBef>
+              <a:buFont typeface="Arial" panose="020B0604020202020204" pitchFamily="34" charset="0"/>
+              <a:buChar char="•"/>
+              <a:defRPr sz="2800" kern="1200">
+                <a:solidFill>
+                  <a:schemeClr val="tx1"/>
+                </a:solidFill>
+                <a:latin typeface="+mn-lt"/>
+                <a:ea typeface="+mn-ea"/>
+                <a:cs typeface="+mn-cs"/>
+              </a:defRPr>
+            </a:lvl1pPr>
+            <a:lvl2pPr marL="685800" indent="-228600" algn="l" defTabSz="914400" rtl="0" eaLnBrk="1" latinLnBrk="0" hangingPunct="1">
+              <a:lnSpc>
+                <a:spcPct val="90000"/>
+              </a:lnSpc>
+              <a:spcBef>
+                <a:spcPts val="500"/>
+              </a:spcBef>
+              <a:buFont typeface="Arial" panose="020B0604020202020204" pitchFamily="34" charset="0"/>
+              <a:buChar char="•"/>
+              <a:defRPr sz="2400" kern="1200">
+                <a:solidFill>
+                  <a:schemeClr val="tx1"/>
+                </a:solidFill>
+                <a:latin typeface="+mn-lt"/>
+                <a:ea typeface="+mn-ea"/>
+                <a:cs typeface="+mn-cs"/>
+              </a:defRPr>
+            </a:lvl2pPr>
+            <a:lvl3pPr marL="1143000" indent="-228600" algn="l" defTabSz="914400" rtl="0" eaLnBrk="1" latinLnBrk="0" hangingPunct="1">
+              <a:lnSpc>
+                <a:spcPct val="90000"/>
+              </a:lnSpc>
+              <a:spcBef>
+                <a:spcPts val="500"/>
+              </a:spcBef>
+              <a:buFont typeface="Arial" panose="020B0604020202020204" pitchFamily="34" charset="0"/>
+              <a:buChar char="•"/>
+              <a:defRPr sz="2000" kern="1200">
+                <a:solidFill>
+                  <a:schemeClr val="tx1"/>
+                </a:solidFill>
+                <a:latin typeface="+mn-lt"/>
+                <a:ea typeface="+mn-ea"/>
+                <a:cs typeface="+mn-cs"/>
+              </a:defRPr>
+            </a:lvl3pPr>
+            <a:lvl4pPr marL="1600200" indent="-228600" algn="l" defTabSz="914400" rtl="0" eaLnBrk="1" latinLnBrk="0" hangingPunct="1">
+              <a:lnSpc>
+                <a:spcPct val="90000"/>
+              </a:lnSpc>
+              <a:spcBef>
+                <a:spcPts val="500"/>
+              </a:spcBef>
+              <a:buFont typeface="Arial" panose="020B0604020202020204" pitchFamily="34" charset="0"/>
+              <a:buChar char="•"/>
+              <a:defRPr sz="1800" kern="1200">
+                <a:solidFill>
+                  <a:schemeClr val="tx1"/>
+                </a:solidFill>
+                <a:latin typeface="+mn-lt"/>
+                <a:ea typeface="+mn-ea"/>
+                <a:cs typeface="+mn-cs"/>
+              </a:defRPr>
+            </a:lvl4pPr>
+            <a:lvl5pPr marL="2057400" indent="-228600" algn="l" defTabSz="914400" rtl="0" eaLnBrk="1" latinLnBrk="0" hangingPunct="1">
+              <a:lnSpc>
+                <a:spcPct val="90000"/>
+              </a:lnSpc>
+              <a:spcBef>
+                <a:spcPts val="500"/>
+              </a:spcBef>
+              <a:buFont typeface="Arial" panose="020B0604020202020204" pitchFamily="34" charset="0"/>
+              <a:buChar char="•"/>
+              <a:defRPr sz="1800" kern="1200">
+                <a:solidFill>
+                  <a:schemeClr val="tx1"/>
+                </a:solidFill>
+                <a:latin typeface="+mn-lt"/>
+                <a:ea typeface="+mn-ea"/>
+                <a:cs typeface="+mn-cs"/>
+              </a:defRPr>
+            </a:lvl5pPr>
+            <a:lvl6pPr marL="2514600" indent="-228600" algn="l" defTabSz="914400" rtl="0" eaLnBrk="1" latinLnBrk="0" hangingPunct="1">
+              <a:lnSpc>
+                <a:spcPct val="90000"/>
+              </a:lnSpc>
+              <a:spcBef>
+                <a:spcPts val="500"/>
+              </a:spcBef>
+              <a:buFont typeface="Arial" panose="020B0604020202020204" pitchFamily="34" charset="0"/>
+              <a:buChar char="•"/>
+              <a:defRPr sz="1800" kern="1200">
+                <a:solidFill>
+                  <a:schemeClr val="tx1"/>
+                </a:solidFill>
+                <a:latin typeface="+mn-lt"/>
+                <a:ea typeface="+mn-ea"/>
+                <a:cs typeface="+mn-cs"/>
+              </a:defRPr>
+            </a:lvl6pPr>
+            <a:lvl7pPr marL="2971800" indent="-228600" algn="l" defTabSz="914400" rtl="0" eaLnBrk="1" latinLnBrk="0" hangingPunct="1">
+              <a:lnSpc>
+                <a:spcPct val="90000"/>
+              </a:lnSpc>
+              <a:spcBef>
+                <a:spcPts val="500"/>
+              </a:spcBef>
+              <a:buFont typeface="Arial" panose="020B0604020202020204" pitchFamily="34" charset="0"/>
+              <a:buChar char="•"/>
+              <a:defRPr sz="1800" kern="1200">
+                <a:solidFill>
+                  <a:schemeClr val="tx1"/>
+                </a:solidFill>
+                <a:latin typeface="+mn-lt"/>
+                <a:ea typeface="+mn-ea"/>
+                <a:cs typeface="+mn-cs"/>
+              </a:defRPr>
+            </a:lvl7pPr>
+            <a:lvl8pPr marL="3429000" indent="-228600" algn="l" defTabSz="914400" rtl="0" eaLnBrk="1" latinLnBrk="0" hangingPunct="1">
+              <a:lnSpc>
+                <a:spcPct val="90000"/>
+              </a:lnSpc>
+              <a:spcBef>
+                <a:spcPts val="500"/>
+              </a:spcBef>
+              <a:buFont typeface="Arial" panose="020B0604020202020204" pitchFamily="34" charset="0"/>
+              <a:buChar char="•"/>
+              <a:defRPr sz="1800" kern="1200">
+                <a:solidFill>
+                  <a:schemeClr val="tx1"/>
+                </a:solidFill>
+                <a:latin typeface="+mn-lt"/>
+                <a:ea typeface="+mn-ea"/>
+                <a:cs typeface="+mn-cs"/>
+              </a:defRPr>
+            </a:lvl8pPr>
+            <a:lvl9pPr marL="3886200" indent="-228600" algn="l" defTabSz="914400" rtl="0" eaLnBrk="1" latinLnBrk="0" hangingPunct="1">
+              <a:lnSpc>
+                <a:spcPct val="90000"/>
+              </a:lnSpc>
+              <a:spcBef>
+                <a:spcPts val="500"/>
+              </a:spcBef>
+              <a:buFont typeface="Arial" panose="020B0604020202020204" pitchFamily="34" charset="0"/>
+              <a:buChar char="•"/>
+              <a:defRPr sz="1800" kern="1200">
+                <a:solidFill>
+                  <a:schemeClr val="tx1"/>
+                </a:solidFill>
+                <a:latin typeface="+mn-lt"/>
+                <a:ea typeface="+mn-ea"/>
+                <a:cs typeface="+mn-cs"/>
+              </a:defRPr>
+            </a:lvl9pPr>
+          </a:lstStyle>
+          <a:p>
+            <a:r>
+              <a:rPr lang="en-US" dirty="0" smtClean="0"/>
+              <a:t>Why limit what I can do in JavaScript?</a:t>
+            </a:r>
+          </a:p>
+          <a:p>
+            <a:r>
+              <a:rPr lang="en-US" dirty="0" smtClean="0"/>
+              <a:t>Why is typing and compile-time feedback important if you have a comprehensive set of automated tests?</a:t>
             </a:r>
           </a:p>
         </p:txBody>
